--- a/JM01-remimo sprendimai ir biudzetas.pptx
+++ b/JM01-remimo sprendimai ir biudzetas.pptx
@@ -6086,7 +6086,12 @@
             <p:ph type="title"/>
           </p:nvPr>
         </p:nvSpPr>
-        <p:spPr/>
+        <p:spPr>
+          <a:xfrm>
+            <a:off x="1141413" y="235527"/>
+            <a:ext cx="9905998" cy="1905000"/>
+          </a:xfrm>
+        </p:spPr>
         <p:txBody>
           <a:bodyPr>
             <a:normAutofit/>
@@ -6111,21 +6116,26 @@
             <p:ph idx="1"/>
           </p:nvPr>
         </p:nvSpPr>
-        <p:spPr/>
+        <p:spPr>
+          <a:xfrm>
+            <a:off x="1141413" y="2140527"/>
+            <a:ext cx="9905998" cy="3124201"/>
+          </a:xfrm>
+        </p:spPr>
         <p:txBody>
           <a:bodyPr>
-            <a:normAutofit/>
+            <a:noAutofit/>
           </a:bodyPr>
           <a:lstStyle/>
           <a:p>
             <a:r>
-              <a:rPr lang="lt-LT" sz="3200" dirty="0"/>
+              <a:rPr lang="lt-LT" sz="3600" dirty="0"/>
               <a:t>Supažindinimas – siekiame supažindinti vartotojus su naujai pasirodžiusiu įrankiu bei paskatinti juo naudotis.</a:t>
             </a:r>
           </a:p>
           <a:p>
             <a:r>
-              <a:rPr lang="lt-LT" sz="3200" dirty="0"/>
+              <a:rPr lang="lt-LT" sz="3600" dirty="0"/>
               <a:t>Informavimas – siekiame informuoti vartotojus apie įrankio paskirtį, jo teikiamą naudą ir privalumus.</a:t>
             </a:r>
           </a:p>
@@ -6198,10 +6208,32 @@
         </p:nvSpPr>
         <p:spPr/>
         <p:txBody>
-          <a:bodyPr/>
-          <a:lstStyle/>
-          <a:p>
-            <a:endParaRPr lang="lt-LT"/>
+          <a:bodyPr>
+            <a:normAutofit/>
+          </a:bodyPr>
+          <a:lstStyle/>
+          <a:p>
+            <a:r>
+              <a:rPr lang="en-US" sz="3600" dirty="0" err="1"/>
+              <a:t>reklama</a:t>
+            </a:r>
+            <a:endParaRPr lang="en-US" sz="3600" dirty="0"/>
+          </a:p>
+          <a:p>
+            <a:r>
+              <a:rPr lang="en-US" sz="3600" dirty="0" err="1"/>
+              <a:t>ry</a:t>
+            </a:r>
+            <a:r>
+              <a:rPr lang="lt-LT" sz="3600" dirty="0"/>
+              <a:t>šiai su visuomene</a:t>
+            </a:r>
+          </a:p>
+          <a:p>
+            <a:r>
+              <a:rPr lang="lt-LT" sz="3600" dirty="0"/>
+              <a:t>pardavimų skatinimas</a:t>
+            </a:r>
           </a:p>
         </p:txBody>
       </p:sp>

--- a/JM01-remimo sprendimai ir biudzetas.pptx
+++ b/JM01-remimo sprendimai ir biudzetas.pptx
@@ -335,7 +335,7 @@
           <a:p>
             <a:fld id="{D4CDCAA1-134E-824E-8921-D5F091099261}" type="datetimeFigureOut">
               <a:rPr lang="en-US" smtClean="0"/>
-              <a:t>5/10/2017</a:t>
+              <a:t>5/11/2017</a:t>
             </a:fld>
             <a:endParaRPr lang="en-US"/>
           </a:p>
@@ -626,7 +626,7 @@
           <a:p>
             <a:fld id="{D4CDCAA1-134E-824E-8921-D5F091099261}" type="datetimeFigureOut">
               <a:rPr lang="en-US" smtClean="0"/>
-              <a:t>5/10/2017</a:t>
+              <a:t>5/11/2017</a:t>
             </a:fld>
             <a:endParaRPr lang="en-US"/>
           </a:p>
@@ -885,7 +885,7 @@
           <a:p>
             <a:fld id="{D4CDCAA1-134E-824E-8921-D5F091099261}" type="datetimeFigureOut">
               <a:rPr lang="en-US" smtClean="0"/>
-              <a:t>5/10/2017</a:t>
+              <a:t>5/11/2017</a:t>
             </a:fld>
             <a:endParaRPr lang="en-US"/>
           </a:p>
@@ -1354,7 +1354,7 @@
           <a:p>
             <a:fld id="{D4CDCAA1-134E-824E-8921-D5F091099261}" type="datetimeFigureOut">
               <a:rPr lang="en-US" smtClean="0"/>
-              <a:t>5/10/2017</a:t>
+              <a:t>5/11/2017</a:t>
             </a:fld>
             <a:endParaRPr lang="en-US"/>
           </a:p>
@@ -1534,7 +1534,7 @@
           <a:p>
             <a:fld id="{D4CDCAA1-134E-824E-8921-D5F091099261}" type="datetimeFigureOut">
               <a:rPr lang="en-US" smtClean="0"/>
-              <a:t>5/10/2017</a:t>
+              <a:t>5/11/2017</a:t>
             </a:fld>
             <a:endParaRPr lang="en-US"/>
           </a:p>
@@ -2110,7 +2110,7 @@
           <a:p>
             <a:fld id="{D4CDCAA1-134E-824E-8921-D5F091099261}" type="datetimeFigureOut">
               <a:rPr lang="en-US" smtClean="0"/>
-              <a:t>5/10/2017</a:t>
+              <a:t>5/11/2017</a:t>
             </a:fld>
             <a:endParaRPr lang="en-US"/>
           </a:p>
@@ -2442,7 +2442,7 @@
           <a:p>
             <a:fld id="{D4CDCAA1-134E-824E-8921-D5F091099261}" type="datetimeFigureOut">
               <a:rPr lang="en-US" smtClean="0"/>
-              <a:t>5/10/2017</a:t>
+              <a:t>5/11/2017</a:t>
             </a:fld>
             <a:endParaRPr lang="en-US"/>
           </a:p>
@@ -2617,7 +2617,7 @@
           <a:p>
             <a:fld id="{D4CDCAA1-134E-824E-8921-D5F091099261}" type="datetimeFigureOut">
               <a:rPr lang="en-US" smtClean="0"/>
-              <a:t>5/10/2017</a:t>
+              <a:t>5/11/2017</a:t>
             </a:fld>
             <a:endParaRPr lang="en-US"/>
           </a:p>
@@ -2797,7 +2797,7 @@
           <a:p>
             <a:fld id="{D4CDCAA1-134E-824E-8921-D5F091099261}" type="datetimeFigureOut">
               <a:rPr lang="en-US" smtClean="0"/>
-              <a:t>5/10/2017</a:t>
+              <a:t>5/11/2017</a:t>
             </a:fld>
             <a:endParaRPr lang="en-US"/>
           </a:p>
@@ -2967,7 +2967,7 @@
           <a:p>
             <a:fld id="{D4CDCAA1-134E-824E-8921-D5F091099261}" type="datetimeFigureOut">
               <a:rPr lang="en-US" smtClean="0"/>
-              <a:t>5/10/2017</a:t>
+              <a:t>5/11/2017</a:t>
             </a:fld>
             <a:endParaRPr lang="en-US"/>
           </a:p>
@@ -3224,7 +3224,7 @@
           <a:p>
             <a:fld id="{D4CDCAA1-134E-824E-8921-D5F091099261}" type="datetimeFigureOut">
               <a:rPr lang="en-US" smtClean="0"/>
-              <a:t>5/10/2017</a:t>
+              <a:t>5/11/2017</a:t>
             </a:fld>
             <a:endParaRPr lang="en-US"/>
           </a:p>
@@ -3516,7 +3516,7 @@
           <a:p>
             <a:fld id="{D4CDCAA1-134E-824E-8921-D5F091099261}" type="datetimeFigureOut">
               <a:rPr lang="en-US" smtClean="0"/>
-              <a:t>5/10/2017</a:t>
+              <a:t>5/11/2017</a:t>
             </a:fld>
             <a:endParaRPr lang="en-US"/>
           </a:p>
@@ -3946,7 +3946,7 @@
           <a:p>
             <a:fld id="{D4CDCAA1-134E-824E-8921-D5F091099261}" type="datetimeFigureOut">
               <a:rPr lang="en-US" smtClean="0"/>
-              <a:t>5/10/2017</a:t>
+              <a:t>5/11/2017</a:t>
             </a:fld>
             <a:endParaRPr lang="en-US"/>
           </a:p>
@@ -4064,7 +4064,7 @@
           <a:p>
             <a:fld id="{D4CDCAA1-134E-824E-8921-D5F091099261}" type="datetimeFigureOut">
               <a:rPr lang="en-US" smtClean="0"/>
-              <a:t>5/10/2017</a:t>
+              <a:t>5/11/2017</a:t>
             </a:fld>
             <a:endParaRPr lang="en-US"/>
           </a:p>
@@ -4159,7 +4159,7 @@
           <a:p>
             <a:fld id="{D4CDCAA1-134E-824E-8921-D5F091099261}" type="datetimeFigureOut">
               <a:rPr lang="en-US" smtClean="0"/>
-              <a:t>5/10/2017</a:t>
+              <a:t>5/11/2017</a:t>
             </a:fld>
             <a:endParaRPr lang="en-US"/>
           </a:p>
@@ -4442,7 +4442,7 @@
           <a:p>
             <a:fld id="{D4CDCAA1-134E-824E-8921-D5F091099261}" type="datetimeFigureOut">
               <a:rPr lang="en-US" smtClean="0"/>
-              <a:t>5/10/2017</a:t>
+              <a:t>5/11/2017</a:t>
             </a:fld>
             <a:endParaRPr lang="en-US"/>
           </a:p>
@@ -4733,7 +4733,7 @@
           <a:p>
             <a:fld id="{D4CDCAA1-134E-824E-8921-D5F091099261}" type="datetimeFigureOut">
               <a:rPr lang="en-US" smtClean="0"/>
-              <a:t>5/10/2017</a:t>
+              <a:t>5/11/2017</a:t>
             </a:fld>
             <a:endParaRPr lang="en-US"/>
           </a:p>
@@ -4964,7 +4964,7 @@
           <a:p>
             <a:fld id="{D4CDCAA1-134E-824E-8921-D5F091099261}" type="datetimeFigureOut">
               <a:rPr lang="en-US" smtClean="0"/>
-              <a:t>5/10/2017</a:t>
+              <a:t>5/11/2017</a:t>
             </a:fld>
             <a:endParaRPr lang="en-US"/>
           </a:p>
@@ -6206,7 +6206,12 @@
             <p:ph idx="1"/>
           </p:nvPr>
         </p:nvSpPr>
-        <p:spPr/>
+        <p:spPr>
+          <a:xfrm>
+            <a:off x="1141413" y="2094344"/>
+            <a:ext cx="9905998" cy="3124201"/>
+          </a:xfrm>
+        </p:spPr>
         <p:txBody>
           <a:bodyPr>
             <a:normAutofit/>
@@ -6214,19 +6219,14 @@
           <a:lstStyle/>
           <a:p>
             <a:r>
-              <a:rPr lang="en-US" sz="3600" dirty="0" err="1"/>
+              <a:rPr lang="lt-LT" sz="3600" dirty="0"/>
               <a:t>reklama</a:t>
             </a:r>
-            <a:endParaRPr lang="en-US" sz="3600" dirty="0"/>
-          </a:p>
-          <a:p>
-            <a:r>
-              <a:rPr lang="en-US" sz="3600" dirty="0" err="1"/>
-              <a:t>ry</a:t>
-            </a:r>
+          </a:p>
+          <a:p>
             <a:r>
               <a:rPr lang="lt-LT" sz="3600" dirty="0"/>
-              <a:t>šiai su visuomene</a:t>
+              <a:t>ryšiai su visuomene</a:t>
             </a:r>
           </a:p>
           <a:p>
